--- a/Capstone_Project-Review2.pptx
+++ b/Capstone_Project-Review2.pptx
@@ -21,7 +21,8 @@
     <p:sldId id="270" r:id="rId14"/>
     <p:sldId id="265" r:id="rId15"/>
     <p:sldId id="280" r:id="rId16"/>
-    <p:sldId id="266" r:id="rId17"/>
+    <p:sldId id="283" r:id="rId17"/>
+    <p:sldId id="266" r:id="rId18"/>
   </p:sldIdLst>
   <p:sldSz cx="12192000" cy="6858000"/>
   <p:notesSz cx="6858000" cy="9144000"/>
@@ -13269,6 +13270,68 @@
   <p:cSld>
     <p:spTree>
       <p:nvGrpSpPr>
+        <p:cNvPr id="1" name=""/>
+        <p:cNvGrpSpPr/>
+        <p:nvPr/>
+      </p:nvGrpSpPr>
+      <p:grpSpPr/>
+      <p:sp>
+        <p:nvSpPr>
+          <p:cNvPr id="2" name="Title 1"/>
+          <p:cNvSpPr>
+            <a:spLocks noGrp="1"/>
+          </p:cNvSpPr>
+          <p:nvPr>
+            <p:ph type="title"/>
+          </p:nvPr>
+        </p:nvSpPr>
+        <p:spPr/>
+        <p:txBody>
+          <a:bodyPr/>
+          <a:p>
+            <a:r>
+              <a:rPr lang="en-US"/>
+              <a:t>github link</a:t>
+            </a:r>
+            <a:endParaRPr lang="en-US"/>
+          </a:p>
+        </p:txBody>
+      </p:sp>
+      <p:sp>
+        <p:nvSpPr>
+          <p:cNvPr id="3" name="Text Placeholder 2"/>
+          <p:cNvSpPr>
+            <a:spLocks noGrp="1"/>
+          </p:cNvSpPr>
+          <p:nvPr>
+            <p:ph type="body" idx="1"/>
+          </p:nvPr>
+        </p:nvSpPr>
+        <p:spPr/>
+        <p:txBody>
+          <a:bodyPr/>
+          <a:p>
+            <a:r>
+              <a:rPr lang="en-US" altLang="en-US"/>
+              <a:t>https://github.com/prakruthi-kiran/AI-chatbot</a:t>
+            </a:r>
+            <a:endParaRPr lang="en-US" altLang="en-US"/>
+          </a:p>
+        </p:txBody>
+      </p:sp>
+    </p:spTree>
+  </p:cSld>
+  <p:clrMapOvr>
+    <a:masterClrMapping/>
+  </p:clrMapOvr>
+</p:sld>
+</file>
+
+<file path=ppt/slides/slide15.xml><?xml version="1.0" encoding="utf-8"?>
+<p:sld xmlns:a="http://schemas.openxmlformats.org/drawingml/2006/main" xmlns:r="http://schemas.openxmlformats.org/officeDocument/2006/relationships" xmlns:p="http://schemas.openxmlformats.org/presentationml/2006/main">
+  <p:cSld>
+    <p:spTree>
+      <p:nvGrpSpPr>
         <p:cNvPr id="1" name="Shape 149"/>
         <p:cNvGrpSpPr/>
         <p:nvPr/>
